--- a/report/visclass_f18_group5_final_poster_undone.pptx
+++ b/report/visclass_f18_group5_final_poster_undone.pptx
@@ -4190,6 +4190,70 @@
               <a:t>specific person</a:t>
             </a:r>
             <a:endParaRPr kumimoji="1" lang="zh-CN" altLang="en-US" sz="4000" dirty="0">
+              <a:latin typeface="PingFang SC" panose="020B0400000000000000" pitchFamily="34" charset="-122"/>
+              <a:ea typeface="PingFang SC" panose="020B0400000000000000" pitchFamily="34" charset="-122"/>
+              <a:cs typeface="Helvetica Neue Condensed" charset="0"/>
+            </a:endParaRPr>
+          </a:p>
+        </p:txBody>
+      </p:sp>
+      <p:sp>
+        <p:nvSpPr>
+          <p:cNvPr id="15" name="标题 1">
+            <a:extLst>
+              <a:ext uri="{FF2B5EF4-FFF2-40B4-BE49-F238E27FC236}">
+                <a16:creationId xmlns:a16="http://schemas.microsoft.com/office/drawing/2014/main" id="{7D60942C-6496-7346-B085-C8B6B008078A}"/>
+              </a:ext>
+            </a:extLst>
+          </p:cNvPr>
+          <p:cNvSpPr txBox="1">
+            <a:spLocks/>
+          </p:cNvSpPr>
+          <p:nvPr/>
+        </p:nvSpPr>
+        <p:spPr>
+          <a:xfrm>
+            <a:off x="2046622" y="24583488"/>
+            <a:ext cx="6045876" cy="7486553"/>
+          </a:xfrm>
+          <a:prstGeom prst="rect">
+            <a:avLst/>
+          </a:prstGeom>
+        </p:spPr>
+        <p:txBody>
+          <a:bodyPr vert="horz" lIns="91440" tIns="45720" rIns="91440" bIns="45720" rtlCol="0" anchor="b">
+            <a:normAutofit fontScale="97500"/>
+          </a:bodyPr>
+          <a:lstStyle>
+            <a:lvl1pPr algn="ctr" defTabSz="3239902" rtl="0" eaLnBrk="1" latinLnBrk="0" hangingPunct="1">
+              <a:lnSpc>
+                <a:spcPct val="90000"/>
+              </a:lnSpc>
+              <a:spcBef>
+                <a:spcPct val="0"/>
+              </a:spcBef>
+              <a:buNone/>
+              <a:defRPr sz="21259" kern="1200">
+                <a:solidFill>
+                  <a:schemeClr val="tx1"/>
+                </a:solidFill>
+                <a:latin typeface="+mj-lt"/>
+                <a:ea typeface="+mj-ea"/>
+                <a:cs typeface="+mj-cs"/>
+              </a:defRPr>
+            </a:lvl1pPr>
+          </a:lstStyle>
+          <a:p>
+            <a:pPr algn="l"/>
+            <a:r>
+              <a:rPr kumimoji="1" lang="en-US" altLang="zh-CN" sz="4400" dirty="0">
+                <a:latin typeface="PingFang SC" panose="020B0400000000000000" pitchFamily="34" charset="-122"/>
+                <a:ea typeface="PingFang SC" panose="020B0400000000000000" pitchFamily="34" charset="-122"/>
+                <a:cs typeface="Helvetica Neue Condensed" charset="0"/>
+              </a:rPr>
+              <a:t>We use the data collected from the official website of the Nobel Prize. It concludes nearly all nominations from 1901 to 1966, 18347 total. The extra person database concludes more than 12000+ nominators/nominees.</a:t>
+            </a:r>
+            <a:endParaRPr kumimoji="1" lang="zh-CN" altLang="en-US" sz="4400" dirty="0">
               <a:latin typeface="PingFang SC" panose="020B0400000000000000" pitchFamily="34" charset="-122"/>
               <a:ea typeface="PingFang SC" panose="020B0400000000000000" pitchFamily="34" charset="-122"/>
               <a:cs typeface="Helvetica Neue Condensed" charset="0"/>
